--- a/Inteligencia Artificial/Proyecto final/Sistema de recomendación de celulares.pptx
+++ b/Inteligencia Artificial/Proyecto final/Sistema de recomendación de celulares.pptx
@@ -342,7 +342,7 @@
           <a:p>
             <a:fld id="{4A1E3CB2-3476-450E-9F28-E499A9B53DCC}" type="datetimeFigureOut">
               <a:rPr lang="es-MX" smtClean="0"/>
-              <a:t>07/05/2014</a:t>
+              <a:t>08/05/2014</a:t>
             </a:fld>
             <a:endParaRPr lang="es-MX"/>
           </a:p>
@@ -550,7 +550,7 @@
           <a:p>
             <a:fld id="{4A1E3CB2-3476-450E-9F28-E499A9B53DCC}" type="datetimeFigureOut">
               <a:rPr lang="es-MX" smtClean="0"/>
-              <a:t>07/05/2014</a:t>
+              <a:t>08/05/2014</a:t>
             </a:fld>
             <a:endParaRPr lang="es-MX"/>
           </a:p>
@@ -806,7 +806,7 @@
           <a:p>
             <a:fld id="{4A1E3CB2-3476-450E-9F28-E499A9B53DCC}" type="datetimeFigureOut">
               <a:rPr lang="es-MX" smtClean="0"/>
-              <a:t>07/05/2014</a:t>
+              <a:t>08/05/2014</a:t>
             </a:fld>
             <a:endParaRPr lang="es-MX"/>
           </a:p>
@@ -980,7 +980,7 @@
           <a:p>
             <a:fld id="{4A1E3CB2-3476-450E-9F28-E499A9B53DCC}" type="datetimeFigureOut">
               <a:rPr lang="es-MX" smtClean="0"/>
-              <a:t>07/05/2014</a:t>
+              <a:t>08/05/2014</a:t>
             </a:fld>
             <a:endParaRPr lang="es-MX"/>
           </a:p>
@@ -1323,7 +1323,7 @@
           <a:p>
             <a:fld id="{4A1E3CB2-3476-450E-9F28-E499A9B53DCC}" type="datetimeFigureOut">
               <a:rPr lang="es-MX" smtClean="0"/>
-              <a:t>07/05/2014</a:t>
+              <a:t>08/05/2014</a:t>
             </a:fld>
             <a:endParaRPr lang="es-MX"/>
           </a:p>
@@ -1598,7 +1598,7 @@
           <a:p>
             <a:fld id="{4A1E3CB2-3476-450E-9F28-E499A9B53DCC}" type="datetimeFigureOut">
               <a:rPr lang="es-MX" smtClean="0"/>
-              <a:t>07/05/2014</a:t>
+              <a:t>08/05/2014</a:t>
             </a:fld>
             <a:endParaRPr lang="es-MX"/>
           </a:p>
@@ -1977,7 +1977,7 @@
           <a:p>
             <a:fld id="{4A1E3CB2-3476-450E-9F28-E499A9B53DCC}" type="datetimeFigureOut">
               <a:rPr lang="es-MX" smtClean="0"/>
-              <a:t>07/05/2014</a:t>
+              <a:t>08/05/2014</a:t>
             </a:fld>
             <a:endParaRPr lang="es-MX"/>
           </a:p>
@@ -2095,7 +2095,7 @@
           <a:p>
             <a:fld id="{4A1E3CB2-3476-450E-9F28-E499A9B53DCC}" type="datetimeFigureOut">
               <a:rPr lang="es-MX" smtClean="0"/>
-              <a:t>07/05/2014</a:t>
+              <a:t>08/05/2014</a:t>
             </a:fld>
             <a:endParaRPr lang="es-MX"/>
           </a:p>
@@ -2266,7 +2266,7 @@
           <a:p>
             <a:fld id="{4A1E3CB2-3476-450E-9F28-E499A9B53DCC}" type="datetimeFigureOut">
               <a:rPr lang="es-MX" smtClean="0"/>
-              <a:t>07/05/2014</a:t>
+              <a:t>08/05/2014</a:t>
             </a:fld>
             <a:endParaRPr lang="es-MX"/>
           </a:p>
@@ -2620,7 +2620,7 @@
           <a:p>
             <a:fld id="{4A1E3CB2-3476-450E-9F28-E499A9B53DCC}" type="datetimeFigureOut">
               <a:rPr lang="es-MX" smtClean="0"/>
-              <a:t>07/05/2014</a:t>
+              <a:t>08/05/2014</a:t>
             </a:fld>
             <a:endParaRPr lang="es-MX"/>
           </a:p>
@@ -3002,7 +3002,7 @@
           <a:p>
             <a:fld id="{4A1E3CB2-3476-450E-9F28-E499A9B53DCC}" type="datetimeFigureOut">
               <a:rPr lang="es-MX" smtClean="0"/>
-              <a:t>07/05/2014</a:t>
+              <a:t>08/05/2014</a:t>
             </a:fld>
             <a:endParaRPr lang="es-MX"/>
           </a:p>
@@ -3289,7 +3289,7 @@
           <a:p>
             <a:fld id="{4A1E3CB2-3476-450E-9F28-E499A9B53DCC}" type="datetimeFigureOut">
               <a:rPr lang="es-MX" smtClean="0"/>
-              <a:t>07/05/2014</a:t>
+              <a:t>08/05/2014</a:t>
             </a:fld>
             <a:endParaRPr lang="es-MX"/>
           </a:p>
@@ -3823,7 +3823,12 @@
             <p:ph type="ctrTitle"/>
           </p:nvPr>
         </p:nvSpPr>
-        <p:spPr/>
+        <p:spPr>
+          <a:xfrm>
+            <a:off x="1100051" y="3079262"/>
+            <a:ext cx="10058400" cy="1405335"/>
+          </a:xfrm>
+        </p:spPr>
         <p:txBody>
           <a:bodyPr>
             <a:normAutofit/>
@@ -3831,10 +3836,10 @@
           <a:lstStyle/>
           <a:p>
             <a:r>
-              <a:rPr lang="es-MX" sz="7000" dirty="0" smtClean="0"/>
+              <a:rPr lang="es-MX" sz="4800" dirty="0" smtClean="0"/>
               <a:t>Sistema de recomendación de equipos celulares</a:t>
             </a:r>
-            <a:endParaRPr lang="es-MX" sz="7000" dirty="0"/>
+            <a:endParaRPr lang="es-MX" sz="4800" dirty="0"/>
           </a:p>
         </p:txBody>
       </p:sp>
@@ -3848,19 +3853,192 @@
             <p:ph type="subTitle" idx="1"/>
           </p:nvPr>
         </p:nvSpPr>
-        <p:spPr/>
+        <p:spPr>
+          <a:xfrm>
+            <a:off x="1100051" y="4572577"/>
+            <a:ext cx="10058400" cy="1143000"/>
+          </a:xfrm>
+        </p:spPr>
         <p:txBody>
           <a:bodyPr/>
           <a:lstStyle/>
           <a:p>
             <a:r>
-              <a:rPr lang="es-MX" dirty="0" smtClean="0"/>
+              <a:rPr lang="es-MX" dirty="0" smtClean="0">
+                <a:solidFill>
+                  <a:schemeClr val="tx1">
+                    <a:lumMod val="50000"/>
+                    <a:lumOff val="50000"/>
+                  </a:schemeClr>
+                </a:solidFill>
+              </a:rPr>
               <a:t>Utilizando java, rule y mysql.</a:t>
             </a:r>
-            <a:endParaRPr lang="es-MX" dirty="0"/>
-          </a:p>
-        </p:txBody>
-      </p:sp>
+            <a:endParaRPr lang="es-MX" dirty="0">
+              <a:solidFill>
+                <a:schemeClr val="tx1">
+                  <a:lumMod val="50000"/>
+                  <a:lumOff val="50000"/>
+                </a:schemeClr>
+              </a:solidFill>
+            </a:endParaRPr>
+          </a:p>
+        </p:txBody>
+      </p:sp>
+      <p:grpSp>
+        <p:nvGrpSpPr>
+          <p:cNvPr id="4" name="Grupo 3"/>
+          <p:cNvGrpSpPr/>
+          <p:nvPr/>
+        </p:nvGrpSpPr>
+        <p:grpSpPr>
+          <a:xfrm>
+            <a:off x="3987951" y="158994"/>
+            <a:ext cx="3158445" cy="2920268"/>
+            <a:chOff x="3775299" y="263047"/>
+            <a:chExt cx="3277800" cy="2978807"/>
+          </a:xfrm>
+        </p:grpSpPr>
+        <p:grpSp>
+          <p:nvGrpSpPr>
+            <p:cNvPr id="10" name="Grupo 9"/>
+            <p:cNvGrpSpPr/>
+            <p:nvPr/>
+          </p:nvGrpSpPr>
+          <p:grpSpPr>
+            <a:xfrm>
+              <a:off x="3775299" y="789909"/>
+              <a:ext cx="3076815" cy="2451945"/>
+              <a:chOff x="3748530" y="106190"/>
+              <a:chExt cx="3751429" cy="3036871"/>
+            </a:xfrm>
+          </p:grpSpPr>
+          <p:pic>
+            <p:nvPicPr>
+              <p:cNvPr id="5" name="Imagen 4"/>
+              <p:cNvPicPr>
+                <a:picLocks noChangeAspect="1"/>
+              </p:cNvPicPr>
+              <p:nvPr/>
+            </p:nvPicPr>
+            <p:blipFill>
+              <a:blip r:embed="rId2"/>
+              <a:stretch>
+                <a:fillRect/>
+              </a:stretch>
+            </p:blipFill>
+            <p:spPr>
+              <a:xfrm>
+                <a:off x="3748530" y="106190"/>
+                <a:ext cx="3751429" cy="3036871"/>
+              </a:xfrm>
+              <a:prstGeom prst="rect">
+                <a:avLst/>
+              </a:prstGeom>
+            </p:spPr>
+          </p:pic>
+          <p:pic>
+            <p:nvPicPr>
+              <p:cNvPr id="7" name="Imagen 6"/>
+              <p:cNvPicPr>
+                <a:picLocks noChangeAspect="1"/>
+              </p:cNvPicPr>
+              <p:nvPr/>
+            </p:nvPicPr>
+            <p:blipFill>
+              <a:blip r:embed="rId3"/>
+              <a:stretch>
+                <a:fillRect/>
+              </a:stretch>
+            </p:blipFill>
+            <p:spPr>
+              <a:xfrm>
+                <a:off x="6349711" y="883141"/>
+                <a:ext cx="425739" cy="823885"/>
+              </a:xfrm>
+              <a:prstGeom prst="rect">
+                <a:avLst/>
+              </a:prstGeom>
+            </p:spPr>
+          </p:pic>
+          <p:pic>
+            <p:nvPicPr>
+              <p:cNvPr id="8" name="Imagen 7"/>
+              <p:cNvPicPr>
+                <a:picLocks noChangeAspect="1"/>
+              </p:cNvPicPr>
+              <p:nvPr/>
+            </p:nvPicPr>
+            <p:blipFill>
+              <a:blip r:embed="rId4"/>
+              <a:stretch>
+                <a:fillRect/>
+              </a:stretch>
+            </p:blipFill>
+            <p:spPr>
+              <a:xfrm>
+                <a:off x="4548630" y="902966"/>
+                <a:ext cx="378970" cy="785010"/>
+              </a:xfrm>
+              <a:prstGeom prst="rect">
+                <a:avLst/>
+              </a:prstGeom>
+            </p:spPr>
+          </p:pic>
+        </p:grpSp>
+        <p:sp>
+          <p:nvSpPr>
+            <p:cNvPr id="9" name="Título 1"/>
+            <p:cNvSpPr txBox="1">
+              <a:spLocks/>
+            </p:cNvSpPr>
+            <p:nvPr/>
+          </p:nvSpPr>
+          <p:spPr>
+            <a:xfrm>
+              <a:off x="5694199" y="263047"/>
+              <a:ext cx="1358900" cy="1114359"/>
+            </a:xfrm>
+            <a:prstGeom prst="rect">
+              <a:avLst/>
+            </a:prstGeom>
+          </p:spPr>
+          <p:txBody>
+            <a:bodyPr vert="horz" lIns="91440" tIns="45720" rIns="91440" bIns="45720" rtlCol="0" anchor="b">
+              <a:noAutofit/>
+            </a:bodyPr>
+            <a:lstStyle>
+              <a:lvl1pPr algn="l" defTabSz="914400" rtl="0" eaLnBrk="1" latinLnBrk="0" hangingPunct="1">
+                <a:lnSpc>
+                  <a:spcPct val="85000"/>
+                </a:lnSpc>
+                <a:spcBef>
+                  <a:spcPct val="0"/>
+                </a:spcBef>
+                <a:buNone/>
+                <a:defRPr sz="8000" kern="1200" spc="-50" baseline="0">
+                  <a:solidFill>
+                    <a:schemeClr val="tx1">
+                      <a:lumMod val="85000"/>
+                      <a:lumOff val="15000"/>
+                    </a:schemeClr>
+                  </a:solidFill>
+                  <a:latin typeface="+mj-lt"/>
+                  <a:ea typeface="+mj-ea"/>
+                  <a:cs typeface="+mj-cs"/>
+                </a:defRPr>
+              </a:lvl1pPr>
+            </a:lstStyle>
+            <a:p>
+              <a:r>
+                <a:rPr lang="es-MX" sz="8800" dirty="0" smtClean="0"/>
+                <a:t>¿?</a:t>
+              </a:r>
+              <a:endParaRPr lang="es-MX" sz="8800" dirty="0"/>
+            </a:p>
+          </p:txBody>
+        </p:sp>
+      </p:grpSp>
     </p:spTree>
     <p:extLst>
       <p:ext uri="{BB962C8B-B14F-4D97-AF65-F5344CB8AC3E}">
@@ -4063,25 +4241,12 @@
               <a:rPr lang="es-MX" sz="3500" dirty="0" smtClean="0"/>
               <a:t>Objetivo general: </a:t>
             </a:r>
-            <a:endParaRPr lang="es-MX" sz="3500" dirty="0" smtClean="0"/>
           </a:p>
           <a:p>
             <a:pPr lvl="1"/>
             <a:r>
               <a:rPr lang="es-MX" dirty="0" smtClean="0"/>
-              <a:t>Desarrollar </a:t>
-            </a:r>
-            <a:r>
-              <a:rPr lang="es-MX" dirty="0" smtClean="0"/>
-              <a:t>un sistema experto que ayude a clientes a tomar una mejor decisión sobre qué celular cumpla deba adquirir de acuerdo a </a:t>
-            </a:r>
-            <a:r>
-              <a:rPr lang="es-MX" dirty="0" smtClean="0"/>
-              <a:t>los requerimientos </a:t>
-            </a:r>
-            <a:r>
-              <a:rPr lang="es-MX" dirty="0" smtClean="0"/>
-              <a:t>que el cliente tenga, utilizando Java, RULE y </a:t>
+              <a:t>Desarrollar un sistema experto que ayude a clientes a tomar una mejor decisión sobre qué celular debe adquirir de acuerdo a los requerimientos que el cliente tenga, utilizando para esto Java, RULE y </a:t>
             </a:r>
             <a:r>
               <a:rPr lang="es-MX" dirty="0" err="1" smtClean="0"/>
@@ -4103,262 +4268,299 @@
             <a:pPr lvl="1"/>
             <a:r>
               <a:rPr lang="es-MX" dirty="0" smtClean="0"/>
-              <a:t>Brindar una recomendación </a:t>
-            </a:r>
-            <a:endParaRPr lang="es-MX" dirty="0" smtClean="0"/>
+              <a:t>Orientar a clientes a tomar una buena decisión ante qué equipo celular adquirir.</a:t>
+            </a:r>
           </a:p>
           <a:p>
             <a:pPr lvl="1"/>
             <a:r>
-              <a:rPr lang="es-MX" dirty="0" err="1" smtClean="0"/>
-              <a:t>Cras</a:t>
-            </a:r>
-            <a:r>
               <a:rPr lang="es-MX" dirty="0" smtClean="0"/>
-              <a:t> </a:t>
-            </a:r>
-            <a:r>
-              <a:rPr lang="es-MX" dirty="0" err="1"/>
-              <a:t>sit</a:t>
-            </a:r>
-            <a:r>
-              <a:rPr lang="es-MX" dirty="0"/>
-              <a:t> </a:t>
-            </a:r>
-            <a:r>
-              <a:rPr lang="es-MX" dirty="0" err="1"/>
-              <a:t>amet</a:t>
-            </a:r>
-            <a:r>
-              <a:rPr lang="es-MX" dirty="0"/>
-              <a:t> </a:t>
-            </a:r>
-            <a:r>
-              <a:rPr lang="es-MX" dirty="0" err="1"/>
-              <a:t>purus</a:t>
-            </a:r>
-            <a:r>
-              <a:rPr lang="es-MX" dirty="0"/>
-              <a:t> ut </a:t>
-            </a:r>
-            <a:r>
-              <a:rPr lang="es-MX" dirty="0" err="1"/>
-              <a:t>tellus</a:t>
-            </a:r>
-            <a:r>
-              <a:rPr lang="es-MX" dirty="0"/>
-              <a:t> </a:t>
-            </a:r>
-            <a:r>
-              <a:rPr lang="es-MX" dirty="0" err="1"/>
-              <a:t>condimentum</a:t>
-            </a:r>
-            <a:r>
-              <a:rPr lang="es-MX" dirty="0"/>
-              <a:t> </a:t>
-            </a:r>
-            <a:r>
-              <a:rPr lang="es-MX" dirty="0" err="1"/>
-              <a:t>gravida</a:t>
-            </a:r>
-            <a:r>
-              <a:rPr lang="es-MX" dirty="0"/>
-              <a:t> vitae at </a:t>
-            </a:r>
-            <a:r>
-              <a:rPr lang="es-MX" dirty="0" err="1"/>
-              <a:t>sem</a:t>
-            </a:r>
-            <a:r>
-              <a:rPr lang="es-MX" dirty="0"/>
-              <a:t>. </a:t>
-            </a:r>
-            <a:endParaRPr lang="es-MX" dirty="0" smtClean="0"/>
+              <a:t>Reducir tiempos de indecisión a clientes.</a:t>
+            </a:r>
           </a:p>
           <a:p>
             <a:pPr lvl="1"/>
             <a:r>
-              <a:rPr lang="es-MX" dirty="0" err="1" smtClean="0"/>
-              <a:t>Phasellus</a:t>
-            </a:r>
-            <a:r>
               <a:rPr lang="es-MX" dirty="0" smtClean="0"/>
-              <a:t> </a:t>
-            </a:r>
-            <a:r>
-              <a:rPr lang="es-MX" dirty="0" err="1"/>
-              <a:t>semper</a:t>
-            </a:r>
-            <a:r>
-              <a:rPr lang="es-MX" dirty="0"/>
-              <a:t> urna </a:t>
-            </a:r>
-            <a:r>
-              <a:rPr lang="es-MX" dirty="0" err="1"/>
-              <a:t>quis</a:t>
-            </a:r>
-            <a:r>
-              <a:rPr lang="es-MX" dirty="0"/>
-              <a:t> </a:t>
-            </a:r>
-            <a:r>
-              <a:rPr lang="es-MX" dirty="0" err="1"/>
-              <a:t>mauris</a:t>
-            </a:r>
-            <a:r>
-              <a:rPr lang="es-MX" dirty="0"/>
-              <a:t> </a:t>
-            </a:r>
-            <a:r>
-              <a:rPr lang="es-MX" dirty="0" err="1"/>
-              <a:t>suscipit</a:t>
-            </a:r>
-            <a:r>
-              <a:rPr lang="es-MX" dirty="0"/>
-              <a:t> </a:t>
-            </a:r>
-            <a:r>
-              <a:rPr lang="es-MX" dirty="0" err="1"/>
-              <a:t>dignissim</a:t>
-            </a:r>
-            <a:r>
-              <a:rPr lang="es-MX" dirty="0"/>
-              <a:t>. </a:t>
-            </a:r>
-            <a:r>
-              <a:rPr lang="es-MX" dirty="0" err="1"/>
-              <a:t>Vestibulum</a:t>
-            </a:r>
-            <a:r>
-              <a:rPr lang="es-MX" dirty="0"/>
-              <a:t> </a:t>
-            </a:r>
-            <a:r>
-              <a:rPr lang="es-MX" dirty="0" err="1"/>
-              <a:t>sit</a:t>
-            </a:r>
-            <a:r>
-              <a:rPr lang="es-MX" dirty="0"/>
-              <a:t> </a:t>
-            </a:r>
-            <a:r>
-              <a:rPr lang="es-MX" dirty="0" err="1"/>
-              <a:t>amet</a:t>
-            </a:r>
-            <a:r>
-              <a:rPr lang="es-MX" dirty="0"/>
-              <a:t> </a:t>
-            </a:r>
-            <a:r>
-              <a:rPr lang="es-MX" dirty="0" err="1"/>
-              <a:t>pretium</a:t>
-            </a:r>
-            <a:r>
-              <a:rPr lang="es-MX" dirty="0"/>
-              <a:t> urna, in ultrices eros</a:t>
-            </a:r>
-            <a:r>
-              <a:rPr lang="es-MX" dirty="0" smtClean="0"/>
-              <a:t>.</a:t>
-            </a:r>
-          </a:p>
-          <a:p>
-            <a:pPr lvl="1"/>
-            <a:r>
-              <a:rPr lang="es-MX" dirty="0" smtClean="0"/>
-              <a:t> </a:t>
-            </a:r>
-            <a:r>
-              <a:rPr lang="es-MX" dirty="0" err="1"/>
-              <a:t>Proin</a:t>
-            </a:r>
-            <a:r>
-              <a:rPr lang="es-MX" dirty="0"/>
-              <a:t> </a:t>
-            </a:r>
-            <a:r>
-              <a:rPr lang="es-MX" dirty="0" err="1"/>
-              <a:t>placerat</a:t>
-            </a:r>
-            <a:r>
-              <a:rPr lang="es-MX" dirty="0"/>
-              <a:t> </a:t>
-            </a:r>
-            <a:r>
-              <a:rPr lang="es-MX" dirty="0" err="1"/>
-              <a:t>facilisis</a:t>
-            </a:r>
-            <a:r>
-              <a:rPr lang="es-MX" dirty="0"/>
-              <a:t> </a:t>
-            </a:r>
-            <a:r>
-              <a:rPr lang="es-MX" dirty="0" err="1"/>
-              <a:t>felis</a:t>
-            </a:r>
-            <a:r>
-              <a:rPr lang="es-MX" dirty="0"/>
-              <a:t> sed </a:t>
-            </a:r>
-            <a:r>
-              <a:rPr lang="es-MX" dirty="0" err="1"/>
-              <a:t>blandit</a:t>
-            </a:r>
-            <a:r>
-              <a:rPr lang="es-MX" dirty="0"/>
-              <a:t>. </a:t>
-            </a:r>
-            <a:r>
-              <a:rPr lang="es-MX" dirty="0" err="1"/>
-              <a:t>Aliquam</a:t>
-            </a:r>
-            <a:r>
-              <a:rPr lang="es-MX" dirty="0"/>
-              <a:t> </a:t>
-            </a:r>
-            <a:r>
-              <a:rPr lang="es-MX" dirty="0" err="1"/>
-              <a:t>nec</a:t>
-            </a:r>
-            <a:r>
-              <a:rPr lang="es-MX" dirty="0"/>
-              <a:t> </a:t>
-            </a:r>
-            <a:r>
-              <a:rPr lang="es-MX" dirty="0" err="1"/>
-              <a:t>sollicitudin</a:t>
-            </a:r>
-            <a:r>
-              <a:rPr lang="es-MX" dirty="0"/>
-              <a:t> </a:t>
-            </a:r>
-            <a:r>
-              <a:rPr lang="es-MX" dirty="0" err="1"/>
-              <a:t>felis</a:t>
-            </a:r>
-            <a:r>
-              <a:rPr lang="es-MX" dirty="0"/>
-              <a:t>, in </a:t>
-            </a:r>
-            <a:r>
-              <a:rPr lang="es-MX" dirty="0" err="1"/>
-              <a:t>ultricies</a:t>
-            </a:r>
-            <a:r>
-              <a:rPr lang="es-MX" dirty="0"/>
-              <a:t> </a:t>
-            </a:r>
-            <a:r>
-              <a:rPr lang="es-MX" dirty="0" err="1"/>
-              <a:t>mauris</a:t>
-            </a:r>
-            <a:r>
-              <a:rPr lang="es-MX" dirty="0"/>
-              <a:t>. </a:t>
-            </a:r>
-          </a:p>
-        </p:txBody>
-      </p:sp>
+              <a:t>Ofrecer un catálogo de equipos disponibles de acuerdo a los requerimientos de los clientes.</a:t>
+            </a:r>
+          </a:p>
+        </p:txBody>
+      </p:sp>
+      <p:pic>
+        <p:nvPicPr>
+          <p:cNvPr id="4" name="Imagen 3"/>
+          <p:cNvPicPr>
+            <a:picLocks noChangeAspect="1"/>
+          </p:cNvPicPr>
+          <p:nvPr/>
+        </p:nvPicPr>
+        <p:blipFill>
+          <a:blip r:embed="rId2">
+            <a:extLst>
+              <a:ext uri="{28A0092B-C50C-407E-A947-70E740481C1C}">
+                <a14:useLocalDpi xmlns:a14="http://schemas.microsoft.com/office/drawing/2010/main" val="0"/>
+              </a:ext>
+            </a:extLst>
+          </a:blip>
+          <a:stretch>
+            <a:fillRect/>
+          </a:stretch>
+        </p:blipFill>
+        <p:spPr>
+          <a:xfrm>
+            <a:off x="10145945" y="4263465"/>
+            <a:ext cx="1603745" cy="1603745"/>
+          </a:xfrm>
+          <a:prstGeom prst="rect">
+            <a:avLst/>
+          </a:prstGeom>
+        </p:spPr>
+      </p:pic>
+      <p:pic>
+        <p:nvPicPr>
+          <p:cNvPr id="5" name="Imagen 4"/>
+          <p:cNvPicPr>
+            <a:picLocks noChangeAspect="1"/>
+          </p:cNvPicPr>
+          <p:nvPr/>
+        </p:nvPicPr>
+        <p:blipFill>
+          <a:blip r:embed="rId3">
+            <a:extLst>
+              <a:ext uri="{28A0092B-C50C-407E-A947-70E740481C1C}">
+                <a14:useLocalDpi xmlns:a14="http://schemas.microsoft.com/office/drawing/2010/main" val="0"/>
+              </a:ext>
+            </a:extLst>
+          </a:blip>
+          <a:stretch>
+            <a:fillRect/>
+          </a:stretch>
+        </p:blipFill>
+        <p:spPr>
+          <a:xfrm flipH="1">
+            <a:off x="7177067" y="4717165"/>
+            <a:ext cx="1594884" cy="1613648"/>
+          </a:xfrm>
+          <a:prstGeom prst="rect">
+            <a:avLst/>
+          </a:prstGeom>
+        </p:spPr>
+      </p:pic>
+      <p:grpSp>
+        <p:nvGrpSpPr>
+          <p:cNvPr id="6" name="Grupo 5"/>
+          <p:cNvGrpSpPr/>
+          <p:nvPr/>
+        </p:nvGrpSpPr>
+        <p:grpSpPr>
+          <a:xfrm>
+            <a:off x="3982068" y="4400406"/>
+            <a:ext cx="2152917" cy="1930407"/>
+            <a:chOff x="3775299" y="263047"/>
+            <a:chExt cx="3277800" cy="2978807"/>
+          </a:xfrm>
+        </p:grpSpPr>
+        <p:grpSp>
+          <p:nvGrpSpPr>
+            <p:cNvPr id="7" name="Grupo 6"/>
+            <p:cNvGrpSpPr/>
+            <p:nvPr/>
+          </p:nvGrpSpPr>
+          <p:grpSpPr>
+            <a:xfrm>
+              <a:off x="3775299" y="789909"/>
+              <a:ext cx="3076815" cy="2451945"/>
+              <a:chOff x="3748530" y="106190"/>
+              <a:chExt cx="3751429" cy="3036871"/>
+            </a:xfrm>
+          </p:grpSpPr>
+          <p:pic>
+            <p:nvPicPr>
+              <p:cNvPr id="9" name="Imagen 8"/>
+              <p:cNvPicPr>
+                <a:picLocks noChangeAspect="1"/>
+              </p:cNvPicPr>
+              <p:nvPr/>
+            </p:nvPicPr>
+            <p:blipFill>
+              <a:blip r:embed="rId4"/>
+              <a:stretch>
+                <a:fillRect/>
+              </a:stretch>
+            </p:blipFill>
+            <p:spPr>
+              <a:xfrm>
+                <a:off x="3748530" y="106190"/>
+                <a:ext cx="3751429" cy="3036871"/>
+              </a:xfrm>
+              <a:prstGeom prst="rect">
+                <a:avLst/>
+              </a:prstGeom>
+            </p:spPr>
+          </p:pic>
+          <p:pic>
+            <p:nvPicPr>
+              <p:cNvPr id="10" name="Imagen 9"/>
+              <p:cNvPicPr>
+                <a:picLocks noChangeAspect="1"/>
+              </p:cNvPicPr>
+              <p:nvPr/>
+            </p:nvPicPr>
+            <p:blipFill>
+              <a:blip r:embed="rId5"/>
+              <a:stretch>
+                <a:fillRect/>
+              </a:stretch>
+            </p:blipFill>
+            <p:spPr>
+              <a:xfrm>
+                <a:off x="6349711" y="883141"/>
+                <a:ext cx="425739" cy="823885"/>
+              </a:xfrm>
+              <a:prstGeom prst="rect">
+                <a:avLst/>
+              </a:prstGeom>
+            </p:spPr>
+          </p:pic>
+          <p:pic>
+            <p:nvPicPr>
+              <p:cNvPr id="11" name="Imagen 10"/>
+              <p:cNvPicPr>
+                <a:picLocks noChangeAspect="1"/>
+              </p:cNvPicPr>
+              <p:nvPr/>
+            </p:nvPicPr>
+            <p:blipFill>
+              <a:blip r:embed="rId6"/>
+              <a:stretch>
+                <a:fillRect/>
+              </a:stretch>
+            </p:blipFill>
+            <p:spPr>
+              <a:xfrm>
+                <a:off x="4548630" y="902966"/>
+                <a:ext cx="378970" cy="785010"/>
+              </a:xfrm>
+              <a:prstGeom prst="rect">
+                <a:avLst/>
+              </a:prstGeom>
+            </p:spPr>
+          </p:pic>
+        </p:grpSp>
+        <p:sp>
+          <p:nvSpPr>
+            <p:cNvPr id="8" name="Título 1"/>
+            <p:cNvSpPr txBox="1">
+              <a:spLocks/>
+            </p:cNvSpPr>
+            <p:nvPr/>
+          </p:nvSpPr>
+          <p:spPr>
+            <a:xfrm>
+              <a:off x="5694199" y="263047"/>
+              <a:ext cx="1358900" cy="1114359"/>
+            </a:xfrm>
+            <a:prstGeom prst="rect">
+              <a:avLst/>
+            </a:prstGeom>
+          </p:spPr>
+          <p:txBody>
+            <a:bodyPr vert="horz" lIns="91440" tIns="45720" rIns="91440" bIns="45720" rtlCol="0" anchor="b">
+              <a:noAutofit/>
+            </a:bodyPr>
+            <a:lstStyle>
+              <a:lvl1pPr algn="l" defTabSz="914400" rtl="0" eaLnBrk="1" latinLnBrk="0" hangingPunct="1">
+                <a:lnSpc>
+                  <a:spcPct val="85000"/>
+                </a:lnSpc>
+                <a:spcBef>
+                  <a:spcPct val="0"/>
+                </a:spcBef>
+                <a:buNone/>
+                <a:defRPr sz="8000" kern="1200" spc="-50" baseline="0">
+                  <a:solidFill>
+                    <a:schemeClr val="tx1">
+                      <a:lumMod val="85000"/>
+                      <a:lumOff val="15000"/>
+                    </a:schemeClr>
+                  </a:solidFill>
+                  <a:latin typeface="+mj-lt"/>
+                  <a:ea typeface="+mj-ea"/>
+                  <a:cs typeface="+mj-cs"/>
+                </a:defRPr>
+              </a:lvl1pPr>
+            </a:lstStyle>
+            <a:p>
+              <a:r>
+                <a:rPr lang="es-MX" sz="3200" dirty="0" smtClean="0"/>
+                <a:t>¿?</a:t>
+              </a:r>
+              <a:endParaRPr lang="es-MX" sz="3200" dirty="0"/>
+            </a:p>
+          </p:txBody>
+        </p:sp>
+      </p:grpSp>
+      <p:pic>
+        <p:nvPicPr>
+          <p:cNvPr id="14" name="Imagen 13"/>
+          <p:cNvPicPr>
+            <a:picLocks noChangeAspect="1"/>
+          </p:cNvPicPr>
+          <p:nvPr/>
+        </p:nvPicPr>
+        <p:blipFill>
+          <a:blip r:embed="rId7" cstate="print">
+            <a:extLst>
+              <a:ext uri="{28A0092B-C50C-407E-A947-70E740481C1C}">
+                <a14:useLocalDpi xmlns:a14="http://schemas.microsoft.com/office/drawing/2010/main" val="0"/>
+              </a:ext>
+            </a:extLst>
+          </a:blip>
+          <a:stretch>
+            <a:fillRect/>
+          </a:stretch>
+        </p:blipFill>
+        <p:spPr>
+          <a:xfrm>
+            <a:off x="857242" y="4834029"/>
+            <a:ext cx="1496784" cy="1496784"/>
+          </a:xfrm>
+          <a:prstGeom prst="rect">
+            <a:avLst/>
+          </a:prstGeom>
+        </p:spPr>
+      </p:pic>
+      <p:pic>
+        <p:nvPicPr>
+          <p:cNvPr id="15" name="Imagen 14"/>
+          <p:cNvPicPr>
+            <a:picLocks noChangeAspect="1"/>
+          </p:cNvPicPr>
+          <p:nvPr/>
+        </p:nvPicPr>
+        <p:blipFill>
+          <a:blip r:embed="rId8">
+            <a:extLst>
+              <a:ext uri="{28A0092B-C50C-407E-A947-70E740481C1C}">
+                <a14:useLocalDpi xmlns:a14="http://schemas.microsoft.com/office/drawing/2010/main" val="0"/>
+              </a:ext>
+            </a:extLst>
+          </a:blip>
+          <a:stretch>
+            <a:fillRect/>
+          </a:stretch>
+        </p:blipFill>
+        <p:spPr>
+          <a:xfrm>
+            <a:off x="4134573" y="4640522"/>
+            <a:ext cx="1791606" cy="1791606"/>
+          </a:xfrm>
+          <a:prstGeom prst="rect">
+            <a:avLst/>
+          </a:prstGeom>
+        </p:spPr>
+      </p:pic>
     </p:spTree>
     <p:extLst>
       <p:ext uri="{BB962C8B-B14F-4D97-AF65-F5344CB8AC3E}">
@@ -4406,7 +4608,12 @@
             <p:ph type="title"/>
           </p:nvPr>
         </p:nvSpPr>
-        <p:spPr/>
+        <p:spPr>
+          <a:xfrm>
+            <a:off x="1097280" y="0"/>
+            <a:ext cx="10058400" cy="1450757"/>
+          </a:xfrm>
+        </p:spPr>
         <p:txBody>
           <a:bodyPr/>
           <a:lstStyle/>
@@ -4419,9 +4626,39 @@
           </a:p>
         </p:txBody>
       </p:sp>
-      <p:sp>
-        <p:nvSpPr>
-          <p:cNvPr id="3" name="Marcador de contenido 2"/>
+      <p:pic>
+        <p:nvPicPr>
+          <p:cNvPr id="4" name="Imagen 3"/>
+          <p:cNvPicPr>
+            <a:picLocks noChangeAspect="1"/>
+          </p:cNvPicPr>
+          <p:nvPr/>
+        </p:nvPicPr>
+        <p:blipFill>
+          <a:blip r:embed="rId2">
+            <a:extLst>
+              <a:ext uri="{28A0092B-C50C-407E-A947-70E740481C1C}">
+                <a14:useLocalDpi xmlns:a14="http://schemas.microsoft.com/office/drawing/2010/main" val="0"/>
+              </a:ext>
+            </a:extLst>
+          </a:blip>
+          <a:stretch>
+            <a:fillRect/>
+          </a:stretch>
+        </p:blipFill>
+        <p:spPr>
+          <a:xfrm>
+            <a:off x="2919522" y="1812264"/>
+            <a:ext cx="5331342" cy="4909879"/>
+          </a:xfrm>
+          <a:prstGeom prst="rect">
+            <a:avLst/>
+          </a:prstGeom>
+        </p:spPr>
+      </p:pic>
+      <p:sp>
+        <p:nvSpPr>
+          <p:cNvPr id="5" name="Marcador de contenido 2"/>
           <p:cNvSpPr>
             <a:spLocks noGrp="1"/>
           </p:cNvSpPr>
@@ -4429,490 +4666,39 @@
             <p:ph idx="1"/>
           </p:nvPr>
         </p:nvSpPr>
-        <p:spPr/>
-        <p:txBody>
-          <a:bodyPr/>
-          <a:lstStyle/>
-          <a:p>
-            <a:pPr marL="457200" indent="-457200">
-              <a:buFont typeface="+mj-lt"/>
-              <a:buAutoNum type="arabicPeriod"/>
-            </a:pPr>
-            <a:r>
-              <a:rPr lang="es-MX" dirty="0" err="1"/>
-              <a:t>Donec</a:t>
-            </a:r>
+        <p:spPr>
+          <a:xfrm>
+            <a:off x="8508173" y="2058385"/>
+            <a:ext cx="3230171" cy="4023360"/>
+          </a:xfrm>
+        </p:spPr>
+        <p:txBody>
+          <a:bodyPr>
+            <a:normAutofit/>
+          </a:bodyPr>
+          <a:lstStyle/>
+          <a:p>
             <a:r>
               <a:rPr lang="es-MX" dirty="0"/>
+              <a:t>Metodología de Ingeniería del Conocimiento de </a:t>
+            </a:r>
+            <a:r>
+              <a:rPr lang="es-ES" dirty="0" smtClean="0"/>
               <a:t> </a:t>
             </a:r>
             <a:r>
-              <a:rPr lang="es-MX" dirty="0" err="1"/>
-              <a:t>rutrum</a:t>
-            </a:r>
-            <a:r>
-              <a:rPr lang="es-MX" dirty="0"/>
-              <a:t> </a:t>
-            </a:r>
-            <a:r>
-              <a:rPr lang="es-MX" dirty="0" err="1"/>
-              <a:t>egestas</a:t>
-            </a:r>
-            <a:r>
-              <a:rPr lang="es-MX" dirty="0"/>
-              <a:t> </a:t>
-            </a:r>
-            <a:r>
-              <a:rPr lang="es-MX" dirty="0" err="1"/>
-              <a:t>sem</a:t>
-            </a:r>
-            <a:r>
-              <a:rPr lang="es-MX" dirty="0"/>
-              <a:t>, id </a:t>
-            </a:r>
-            <a:r>
-              <a:rPr lang="es-MX" dirty="0" err="1"/>
-              <a:t>cursus</a:t>
-            </a:r>
-            <a:r>
-              <a:rPr lang="es-MX" dirty="0"/>
-              <a:t> </a:t>
-            </a:r>
-            <a:r>
-              <a:rPr lang="es-MX" dirty="0" err="1"/>
-              <a:t>lectus</a:t>
-            </a:r>
-            <a:r>
-              <a:rPr lang="es-MX" dirty="0"/>
-              <a:t> </a:t>
-            </a:r>
-            <a:r>
-              <a:rPr lang="es-MX" dirty="0" err="1"/>
-              <a:t>aliquet</a:t>
-            </a:r>
-            <a:r>
-              <a:rPr lang="es-MX" dirty="0"/>
-              <a:t> </a:t>
-            </a:r>
-            <a:r>
-              <a:rPr lang="es-MX" dirty="0" err="1"/>
-              <a:t>vel</a:t>
-            </a:r>
-            <a:r>
-              <a:rPr lang="es-MX" dirty="0"/>
-              <a:t>. </a:t>
-            </a:r>
-            <a:endParaRPr lang="es-MX" dirty="0" smtClean="0"/>
-          </a:p>
-          <a:p>
-            <a:pPr marL="457200" indent="-457200">
-              <a:buFont typeface="+mj-lt"/>
-              <a:buAutoNum type="arabicPeriod"/>
-            </a:pPr>
-            <a:r>
-              <a:rPr lang="es-MX" dirty="0" err="1" smtClean="0"/>
-              <a:t>Vivamus</a:t>
-            </a:r>
-            <a:r>
-              <a:rPr lang="es-MX" dirty="0" smtClean="0"/>
-              <a:t> </a:t>
-            </a:r>
-            <a:r>
-              <a:rPr lang="es-MX" dirty="0" err="1"/>
-              <a:t>luctus</a:t>
-            </a:r>
-            <a:r>
-              <a:rPr lang="es-MX" dirty="0"/>
-              <a:t> libero </a:t>
-            </a:r>
-            <a:r>
-              <a:rPr lang="es-MX" dirty="0" err="1"/>
-              <a:t>orci</a:t>
-            </a:r>
-            <a:r>
-              <a:rPr lang="es-MX" dirty="0"/>
-              <a:t>, </a:t>
-            </a:r>
-            <a:r>
-              <a:rPr lang="es-MX" dirty="0" err="1"/>
-              <a:t>eu</a:t>
-            </a:r>
-            <a:r>
-              <a:rPr lang="es-MX" dirty="0"/>
-              <a:t> </a:t>
-            </a:r>
-            <a:r>
-              <a:rPr lang="es-MX" dirty="0" err="1"/>
-              <a:t>convallis</a:t>
-            </a:r>
-            <a:r>
-              <a:rPr lang="es-MX" dirty="0"/>
-              <a:t> magna </a:t>
-            </a:r>
-            <a:r>
-              <a:rPr lang="es-MX" dirty="0" err="1"/>
-              <a:t>sodales</a:t>
-            </a:r>
-            <a:r>
-              <a:rPr lang="es-MX" dirty="0"/>
-              <a:t> </a:t>
-            </a:r>
-            <a:r>
-              <a:rPr lang="es-MX" dirty="0" err="1"/>
-              <a:t>vel</a:t>
-            </a:r>
-            <a:r>
-              <a:rPr lang="es-MX" dirty="0"/>
-              <a:t>. </a:t>
-            </a:r>
-            <a:r>
-              <a:rPr lang="es-MX" dirty="0" err="1"/>
-              <a:t>Etiam</a:t>
-            </a:r>
-            <a:r>
-              <a:rPr lang="es-MX" dirty="0"/>
-              <a:t> in </a:t>
-            </a:r>
-            <a:r>
-              <a:rPr lang="es-MX" dirty="0" err="1"/>
-              <a:t>consequat</a:t>
-            </a:r>
-            <a:r>
-              <a:rPr lang="es-MX" dirty="0"/>
-              <a:t> </a:t>
-            </a:r>
-            <a:r>
-              <a:rPr lang="es-MX" dirty="0" err="1"/>
-              <a:t>erat</a:t>
-            </a:r>
-            <a:r>
-              <a:rPr lang="es-MX" dirty="0"/>
-              <a:t>, </a:t>
-            </a:r>
-            <a:r>
-              <a:rPr lang="es-MX" dirty="0" err="1"/>
-              <a:t>quis</a:t>
-            </a:r>
-            <a:r>
-              <a:rPr lang="es-MX" dirty="0"/>
-              <a:t> </a:t>
-            </a:r>
-            <a:r>
-              <a:rPr lang="es-MX" dirty="0" err="1"/>
-              <a:t>rhoncus</a:t>
-            </a:r>
-            <a:r>
-              <a:rPr lang="es-MX" dirty="0"/>
-              <a:t> </a:t>
-            </a:r>
-            <a:r>
-              <a:rPr lang="es-MX" dirty="0" err="1"/>
-              <a:t>dui</a:t>
-            </a:r>
-            <a:r>
-              <a:rPr lang="es-MX" dirty="0"/>
-              <a:t>. </a:t>
-            </a:r>
-            <a:r>
-              <a:rPr lang="es-MX" dirty="0" err="1"/>
-              <a:t>Curabitur</a:t>
-            </a:r>
-            <a:r>
-              <a:rPr lang="es-MX" dirty="0"/>
-              <a:t> </a:t>
-            </a:r>
-            <a:r>
-              <a:rPr lang="es-MX" dirty="0" err="1"/>
-              <a:t>dictum</a:t>
-            </a:r>
-            <a:r>
-              <a:rPr lang="es-MX" dirty="0"/>
-              <a:t> </a:t>
-            </a:r>
-            <a:r>
-              <a:rPr lang="es-MX" dirty="0" err="1"/>
-              <a:t>cursus</a:t>
-            </a:r>
-            <a:r>
-              <a:rPr lang="es-MX" dirty="0"/>
-              <a:t> tortor id </a:t>
-            </a:r>
-            <a:r>
-              <a:rPr lang="es-MX" dirty="0" err="1"/>
-              <a:t>gravida</a:t>
-            </a:r>
-            <a:r>
-              <a:rPr lang="es-MX" dirty="0"/>
-              <a:t>. </a:t>
-            </a:r>
-            <a:endParaRPr lang="es-MX" dirty="0" smtClean="0"/>
-          </a:p>
-          <a:p>
-            <a:pPr marL="457200" indent="-457200">
-              <a:buFont typeface="+mj-lt"/>
-              <a:buAutoNum type="arabicPeriod"/>
-            </a:pPr>
-            <a:r>
-              <a:rPr lang="es-MX" dirty="0" err="1" smtClean="0"/>
-              <a:t>Interdum</a:t>
-            </a:r>
-            <a:r>
-              <a:rPr lang="es-MX" dirty="0" smtClean="0"/>
-              <a:t> </a:t>
-            </a:r>
-            <a:r>
-              <a:rPr lang="es-MX" dirty="0"/>
-              <a:t>et </a:t>
-            </a:r>
-            <a:r>
-              <a:rPr lang="es-MX" dirty="0" err="1"/>
-              <a:t>malesuada</a:t>
-            </a:r>
-            <a:r>
-              <a:rPr lang="es-MX" dirty="0"/>
-              <a:t> </a:t>
-            </a:r>
-            <a:r>
-              <a:rPr lang="es-MX" dirty="0" err="1"/>
-              <a:t>fames</a:t>
-            </a:r>
-            <a:r>
-              <a:rPr lang="es-MX" dirty="0"/>
-              <a:t> </a:t>
-            </a:r>
-            <a:r>
-              <a:rPr lang="es-MX" dirty="0" err="1"/>
-              <a:t>ac</a:t>
-            </a:r>
-            <a:r>
-              <a:rPr lang="es-MX" dirty="0"/>
-              <a:t> ante </a:t>
-            </a:r>
-            <a:r>
-              <a:rPr lang="es-MX" dirty="0" err="1"/>
-              <a:t>ipsum</a:t>
-            </a:r>
-            <a:r>
-              <a:rPr lang="es-MX" dirty="0"/>
-              <a:t> </a:t>
-            </a:r>
-            <a:r>
-              <a:rPr lang="es-MX" dirty="0" err="1"/>
-              <a:t>primis</a:t>
-            </a:r>
-            <a:r>
-              <a:rPr lang="es-MX" dirty="0"/>
-              <a:t> in </a:t>
-            </a:r>
-            <a:r>
-              <a:rPr lang="es-MX" dirty="0" err="1"/>
-              <a:t>faucibus</a:t>
-            </a:r>
-            <a:r>
-              <a:rPr lang="es-MX" dirty="0"/>
-              <a:t>. </a:t>
-            </a:r>
-            <a:endParaRPr lang="es-MX" dirty="0" smtClean="0"/>
-          </a:p>
-          <a:p>
-            <a:pPr marL="457200" indent="-457200">
-              <a:buFont typeface="+mj-lt"/>
-              <a:buAutoNum type="arabicPeriod"/>
-            </a:pPr>
-            <a:r>
-              <a:rPr lang="es-MX" dirty="0" smtClean="0"/>
-              <a:t>Sed </a:t>
-            </a:r>
-            <a:r>
-              <a:rPr lang="es-MX" dirty="0"/>
-              <a:t>non </a:t>
-            </a:r>
-            <a:r>
-              <a:rPr lang="es-MX" dirty="0" err="1"/>
-              <a:t>tellus</a:t>
-            </a:r>
-            <a:r>
-              <a:rPr lang="es-MX" dirty="0"/>
-              <a:t> non </a:t>
-            </a:r>
-            <a:r>
-              <a:rPr lang="es-MX" dirty="0" err="1"/>
-              <a:t>tellus</a:t>
-            </a:r>
-            <a:r>
-              <a:rPr lang="es-MX" dirty="0"/>
-              <a:t> </a:t>
-            </a:r>
-            <a:r>
-              <a:rPr lang="es-MX" dirty="0" err="1"/>
-              <a:t>pretium</a:t>
-            </a:r>
-            <a:r>
-              <a:rPr lang="es-MX" dirty="0"/>
-              <a:t> </a:t>
-            </a:r>
-            <a:r>
-              <a:rPr lang="es-MX" dirty="0" err="1"/>
-              <a:t>bibendum</a:t>
-            </a:r>
-            <a:r>
-              <a:rPr lang="es-MX" dirty="0"/>
-              <a:t>. </a:t>
-            </a:r>
-            <a:endParaRPr lang="es-MX" dirty="0" smtClean="0"/>
-          </a:p>
-          <a:p>
-            <a:pPr marL="457200" indent="-457200">
-              <a:buFont typeface="+mj-lt"/>
-              <a:buAutoNum type="arabicPeriod"/>
-            </a:pPr>
-            <a:r>
-              <a:rPr lang="es-MX" dirty="0" smtClean="0"/>
-              <a:t>Sed </a:t>
-            </a:r>
-            <a:r>
-              <a:rPr lang="es-MX" dirty="0"/>
-              <a:t>ut </a:t>
-            </a:r>
-            <a:r>
-              <a:rPr lang="es-MX" dirty="0" err="1"/>
-              <a:t>massa</a:t>
-            </a:r>
-            <a:r>
-              <a:rPr lang="es-MX" dirty="0"/>
-              <a:t> </a:t>
-            </a:r>
-            <a:r>
-              <a:rPr lang="es-MX" dirty="0" err="1"/>
-              <a:t>lorem</a:t>
-            </a:r>
-            <a:r>
-              <a:rPr lang="es-MX" dirty="0"/>
-              <a:t>. </a:t>
-            </a:r>
-            <a:r>
-              <a:rPr lang="es-MX" dirty="0" err="1"/>
-              <a:t>Donec</a:t>
-            </a:r>
-            <a:r>
-              <a:rPr lang="es-MX" dirty="0"/>
-              <a:t> non </a:t>
-            </a:r>
-            <a:r>
-              <a:rPr lang="es-MX" dirty="0" err="1"/>
-              <a:t>consectetur</a:t>
-            </a:r>
-            <a:r>
-              <a:rPr lang="es-MX" dirty="0"/>
-              <a:t> </a:t>
-            </a:r>
-            <a:r>
-              <a:rPr lang="es-MX" dirty="0" err="1"/>
-              <a:t>tellus</a:t>
-            </a:r>
-            <a:r>
-              <a:rPr lang="es-MX" dirty="0"/>
-              <a:t>, at </a:t>
-            </a:r>
-            <a:r>
-              <a:rPr lang="es-MX" dirty="0" err="1"/>
-              <a:t>mattis</a:t>
-            </a:r>
-            <a:r>
-              <a:rPr lang="es-MX" dirty="0"/>
-              <a:t> </a:t>
-            </a:r>
-            <a:r>
-              <a:rPr lang="es-MX" dirty="0" err="1"/>
-              <a:t>ipsum</a:t>
-            </a:r>
-            <a:r>
-              <a:rPr lang="es-MX" dirty="0"/>
-              <a:t>. </a:t>
-            </a:r>
-            <a:endParaRPr lang="es-MX" dirty="0" smtClean="0"/>
-          </a:p>
-          <a:p>
-            <a:pPr marL="457200" indent="-457200">
-              <a:buFont typeface="+mj-lt"/>
-              <a:buAutoNum type="arabicPeriod"/>
-            </a:pPr>
-            <a:r>
-              <a:rPr lang="es-MX" dirty="0" smtClean="0"/>
-              <a:t>Sed </a:t>
-            </a:r>
-            <a:r>
-              <a:rPr lang="es-MX" dirty="0" err="1"/>
-              <a:t>iaculis</a:t>
-            </a:r>
-            <a:r>
-              <a:rPr lang="es-MX" dirty="0"/>
-              <a:t> </a:t>
-            </a:r>
-            <a:r>
-              <a:rPr lang="es-MX" dirty="0" err="1"/>
-              <a:t>adipiscing</a:t>
-            </a:r>
-            <a:r>
-              <a:rPr lang="es-MX" dirty="0"/>
-              <a:t> </a:t>
-            </a:r>
-            <a:r>
-              <a:rPr lang="es-MX" dirty="0" err="1"/>
-              <a:t>luctus</a:t>
-            </a:r>
-            <a:r>
-              <a:rPr lang="es-MX" dirty="0"/>
-              <a:t>. </a:t>
-            </a:r>
-            <a:r>
-              <a:rPr lang="es-MX" dirty="0" err="1"/>
-              <a:t>Quisque</a:t>
-            </a:r>
-            <a:r>
-              <a:rPr lang="es-MX" dirty="0"/>
-              <a:t> </a:t>
-            </a:r>
-            <a:r>
-              <a:rPr lang="es-MX" dirty="0" err="1"/>
-              <a:t>tristique</a:t>
-            </a:r>
-            <a:r>
-              <a:rPr lang="es-MX" dirty="0"/>
-              <a:t> </a:t>
-            </a:r>
-            <a:r>
-              <a:rPr lang="es-MX" dirty="0" err="1"/>
-              <a:t>felis</a:t>
-            </a:r>
-            <a:r>
-              <a:rPr lang="es-MX" dirty="0"/>
-              <a:t> </a:t>
-            </a:r>
-            <a:r>
-              <a:rPr lang="es-MX" dirty="0" err="1"/>
-              <a:t>vel</a:t>
-            </a:r>
-            <a:r>
-              <a:rPr lang="es-MX" dirty="0"/>
-              <a:t> </a:t>
-            </a:r>
-            <a:r>
-              <a:rPr lang="es-MX" dirty="0" err="1"/>
-              <a:t>neque</a:t>
-            </a:r>
-            <a:r>
-              <a:rPr lang="es-MX" dirty="0"/>
-              <a:t> </a:t>
-            </a:r>
-            <a:r>
-              <a:rPr lang="es-MX" dirty="0" err="1"/>
-              <a:t>egestas</a:t>
-            </a:r>
-            <a:r>
-              <a:rPr lang="es-MX" dirty="0"/>
-              <a:t> vehicula. </a:t>
-            </a:r>
+              <a:rPr lang="es-ES" dirty="0" smtClean="0"/>
+              <a:t>John </a:t>
+            </a:r>
+            <a:r>
+              <a:rPr lang="es-ES" dirty="0" err="1" smtClean="0"/>
+              <a:t>Durkin</a:t>
+            </a:r>
+            <a:r>
+              <a:rPr lang="es-ES" dirty="0" smtClean="0"/>
+              <a:t>.</a:t>
+            </a:r>
+            <a:endParaRPr lang="es-MX" dirty="0"/>
           </a:p>
         </p:txBody>
       </p:sp>

--- a/Inteligencia Artificial/Proyecto final/Sistema de recomendación de celulares.pptx
+++ b/Inteligencia Artificial/Proyecto final/Sistema de recomendación de celulares.pptx
@@ -4684,11 +4684,7 @@
             </a:r>
             <a:r>
               <a:rPr lang="es-ES" dirty="0" smtClean="0"/>
-              <a:t> </a:t>
-            </a:r>
-            <a:r>
-              <a:rPr lang="es-ES" dirty="0" smtClean="0"/>
-              <a:t>John </a:t>
+              <a:t> John </a:t>
             </a:r>
             <a:r>
               <a:rPr lang="es-ES" dirty="0" err="1" smtClean="0"/>
@@ -4832,6 +4828,47 @@
           <a:prstGeom prst="rect">
             <a:avLst/>
           </a:prstGeom>
+        </p:spPr>
+      </p:pic>
+      <p:pic>
+        <p:nvPicPr>
+          <p:cNvPr id="1026" name="Picture 2" descr="http://www.mundonets.com/images/programas/netbeans.jpg"/>
+          <p:cNvPicPr>
+            <a:picLocks noChangeAspect="1" noChangeArrowheads="1"/>
+          </p:cNvPicPr>
+          <p:nvPr/>
+        </p:nvPicPr>
+        <p:blipFill>
+          <a:blip r:embed="rId4">
+            <a:extLst>
+              <a:ext uri="{28A0092B-C50C-407E-A947-70E740481C1C}">
+                <a14:useLocalDpi xmlns:a14="http://schemas.microsoft.com/office/drawing/2010/main" val="0"/>
+              </a:ext>
+            </a:extLst>
+          </a:blip>
+          <a:srcRect/>
+          <a:stretch>
+            <a:fillRect/>
+          </a:stretch>
+        </p:blipFill>
+        <p:spPr bwMode="auto">
+          <a:xfrm>
+            <a:off x="4217212" y="3126820"/>
+            <a:ext cx="2857500" cy="1571626"/>
+          </a:xfrm>
+          <a:prstGeom prst="rect">
+            <a:avLst/>
+          </a:prstGeom>
+          <a:noFill/>
+          <a:extLst>
+            <a:ext uri="{909E8E84-426E-40DD-AFC4-6F175D3DCCD1}">
+              <a14:hiddenFill xmlns:a14="http://schemas.microsoft.com/office/drawing/2010/main">
+                <a:solidFill>
+                  <a:srgbClr val="FFFFFF"/>
+                </a:solidFill>
+              </a14:hiddenFill>
+            </a:ext>
+          </a:extLst>
         </p:spPr>
       </p:pic>
     </p:spTree>
